--- a/How to Run this project.pptx
+++ b/How to Run this project.pptx
@@ -4241,8 +4241,12 @@
               <a:t>This will compile the ‘</a:t>
             </a:r>
             <a:r>
+              <a:rPr lang="en-US" sz="2200"/>
+              <a:t>App</a:t>
+            </a:r>
+            <a:r>
               <a:rPr lang="en-US" sz="2200" dirty="0" err="1"/>
-              <a:t>app.svelte</a:t>
+              <a:t>.svelte</a:t>
             </a:r>
             <a:r>
               <a:rPr lang="en-US" sz="2200" dirty="0"/>

--- a/How to Run this project.pptx
+++ b/How to Run this project.pptx
@@ -5,13 +5,14 @@
     <p:sldMasterId id="2147483648" r:id="rId1"/>
   </p:sldMasterIdLst>
   <p:notesMasterIdLst>
-    <p:notesMasterId r:id="rId6"/>
+    <p:notesMasterId r:id="rId7"/>
   </p:notesMasterIdLst>
   <p:sldIdLst>
     <p:sldId id="256" r:id="rId2"/>
     <p:sldId id="259" r:id="rId3"/>
     <p:sldId id="257" r:id="rId4"/>
-    <p:sldId id="258" r:id="rId5"/>
+    <p:sldId id="260" r:id="rId5"/>
+    <p:sldId id="258" r:id="rId6"/>
   </p:sldIdLst>
   <p:sldSz cx="12192000" cy="6858000"/>
   <p:notesSz cx="6858000" cy="9144000"/>
@@ -616,7 +617,7 @@
           <a:p>
             <a:fld id="{B3974982-C11A-49A5-8069-692F5D578DB1}" type="slidenum">
               <a:rPr lang="en-US" smtClean="0"/>
-              <a:t>4</a:t>
+              <a:t>5</a:t>
             </a:fld>
             <a:endParaRPr lang="en-US"/>
           </a:p>
@@ -4147,21 +4148,21 @@
         </p:spPr>
         <p:txBody>
           <a:bodyPr>
-            <a:normAutofit lnSpcReduction="10000"/>
+            <a:normAutofit/>
           </a:bodyPr>
           <a:lstStyle/>
           <a:p>
             <a:pPr algn="just"/>
             <a:r>
-              <a:rPr lang="en-US" sz="2200" dirty="0"/>
+              <a:rPr lang="en-US" sz="2400" dirty="0"/>
               <a:t>First we have to navigate to the svelte directory. As the code will be run from the ‘ \</a:t>
             </a:r>
             <a:r>
-              <a:rPr lang="en-US" sz="2200" dirty="0" err="1"/>
-              <a:t>Image_Query_by_Analysing_Histogram_Distance</a:t>
-            </a:r>
-            <a:r>
-              <a:rPr lang="en-US" sz="2200" dirty="0"/>
+              <a:rPr lang="en-US" sz="2400" dirty="0" err="1"/>
+              <a:t>Image_Query_by_Analysing_histogram</a:t>
+            </a:r>
+            <a:r>
+              <a:rPr lang="en-US" sz="2400" dirty="0"/>
               <a:t> ‘ as the root directory in the terminal, we need to navigate to the directory folder by the following Command :	</a:t>
             </a:r>
           </a:p>
@@ -4186,14 +4187,21 @@
               </a:rPr>
               <a:t>cd image-query</a:t>
             </a:r>
-          </a:p>
-          <a:p>
-            <a:r>
-              <a:rPr lang="en-US" sz="2200" dirty="0"/>
-              <a:t>Now the svelte folder has to be built by the following Command :</a:t>
-            </a:r>
+            <a:endParaRPr lang="en-US" sz="2200" dirty="0">
+              <a:solidFill>
+                <a:schemeClr val="bg2">
+                  <a:lumMod val="50000"/>
+                </a:schemeClr>
+              </a:solidFill>
+            </a:endParaRPr>
+          </a:p>
+          <a:p>
             <a:r>
               <a:rPr lang="en-US" sz="2400" dirty="0"/>
+              <a:t>Now the svelte dependencies have to be installed in the svelte folder by the following Command :</a:t>
+            </a:r>
+            <a:r>
+              <a:rPr lang="en-US" sz="2800" dirty="0"/>
               <a:t>	</a:t>
             </a:r>
           </a:p>
@@ -4205,7 +4213,7 @@
               <a:buNone/>
             </a:pPr>
             <a:r>
-              <a:rPr lang="en-US" sz="2800" dirty="0"/>
+              <a:rPr lang="en-US" sz="3200" dirty="0"/>
               <a:t>	</a:t>
             </a:r>
             <a:r>
@@ -4226,7 +4234,7 @@
                   </a:schemeClr>
                 </a:solidFill>
               </a:rPr>
-              <a:t> run build</a:t>
+              <a:t> install</a:t>
             </a:r>
           </a:p>
           <a:p>
@@ -4237,80 +4245,26 @@
               <a:buNone/>
             </a:pPr>
             <a:r>
-              <a:rPr lang="en-US" sz="2200" dirty="0"/>
-              <a:t>This will compile the ‘</a:t>
-            </a:r>
-            <a:r>
-              <a:rPr lang="en-US" sz="2200"/>
-              <a:t>App</a:t>
-            </a:r>
-            <a:r>
-              <a:rPr lang="en-US" sz="2200" dirty="0" err="1"/>
-              <a:t>.svelte</a:t>
-            </a:r>
-            <a:r>
-              <a:rPr lang="en-US" sz="2200" dirty="0"/>
-              <a:t>’ file to build ‘bundle.css’ file and ‘bundle.js’ file. This has to be executed only when the project is run for the first time</a:t>
-            </a:r>
-            <a:endParaRPr lang="en-US" sz="2200" dirty="0">
-              <a:solidFill>
-                <a:schemeClr val="bg2">
-                  <a:lumMod val="50000"/>
-                </a:schemeClr>
-              </a:solidFill>
-            </a:endParaRPr>
-          </a:p>
-          <a:p>
-            <a:pPr algn="just"/>
-            <a:r>
-              <a:rPr lang="en-US" sz="2200" dirty="0"/>
-              <a:t>Now we can activate the webpage link ‘localhost: 8080’ by the following Command :</a:t>
-            </a:r>
-            <a:r>
-              <a:rPr lang="en-US" sz="2800" dirty="0"/>
-              <a:t>	</a:t>
-            </a:r>
-          </a:p>
-          <a:p>
-            <a:pPr marL="0" indent="0" algn="ctr">
-              <a:spcAft>
-                <a:spcPts val="1000"/>
-              </a:spcAft>
-              <a:buNone/>
-            </a:pPr>
-            <a:r>
-              <a:rPr lang="en-US" sz="2800" dirty="0"/>
-              <a:t>	</a:t>
-            </a:r>
-            <a:r>
-              <a:rPr lang="en-US" dirty="0" err="1">
-                <a:solidFill>
-                  <a:schemeClr val="bg2">
-                    <a:lumMod val="50000"/>
-                  </a:schemeClr>
-                </a:solidFill>
-              </a:rPr>
-              <a:t>npm</a:t>
-            </a:r>
-            <a:r>
-              <a:rPr lang="en-US" dirty="0">
-                <a:solidFill>
-                  <a:schemeClr val="bg2">
-                    <a:lumMod val="50000"/>
-                  </a:schemeClr>
-                </a:solidFill>
-              </a:rPr>
-              <a:t> run dev</a:t>
-            </a:r>
-          </a:p>
-          <a:p>
-            <a:pPr marL="0" indent="0" algn="ctr">
-              <a:spcAft>
-                <a:spcPts val="1000"/>
-              </a:spcAft>
-              <a:buNone/>
-            </a:pPr>
-            <a:endParaRPr lang="en-US" sz="2200" dirty="0">
+              <a:rPr lang="en-US" sz="2400" dirty="0"/>
+              <a:t>This will install all the dependencies and node modules required as per the ‘</a:t>
+            </a:r>
+            <a:r>
+              <a:rPr lang="en-US" sz="2400" dirty="0" err="1"/>
+              <a:t>package.json</a:t>
+            </a:r>
+            <a:r>
+              <a:rPr lang="en-US" sz="2400" dirty="0"/>
+              <a:t>’ file and ‘package-</a:t>
+            </a:r>
+            <a:r>
+              <a:rPr lang="en-US" sz="2400" dirty="0" err="1"/>
+              <a:t>lock.json</a:t>
+            </a:r>
+            <a:r>
+              <a:rPr lang="en-US" sz="2400" dirty="0"/>
+              <a:t>’ file. This has to be executed only when the project is run for the first time</a:t>
+            </a:r>
+            <a:endParaRPr lang="en-US" sz="2400" dirty="0">
               <a:solidFill>
                 <a:schemeClr val="bg2">
                   <a:lumMod val="50000"/>
@@ -4378,6 +4332,214 @@
           <p:cNvPr id="2" name="Title 1">
             <a:extLst>
               <a:ext uri="{FF2B5EF4-FFF2-40B4-BE49-F238E27FC236}">
+                <a16:creationId xmlns:a16="http://schemas.microsoft.com/office/drawing/2014/main" id="{FBB98973-20C2-D34E-93B5-274B7436F230}"/>
+              </a:ext>
+            </a:extLst>
+          </p:cNvPr>
+          <p:cNvSpPr>
+            <a:spLocks noGrp="1"/>
+          </p:cNvSpPr>
+          <p:nvPr>
+            <p:ph type="title"/>
+          </p:nvPr>
+        </p:nvSpPr>
+        <p:spPr/>
+        <p:txBody>
+          <a:bodyPr/>
+          <a:lstStyle/>
+          <a:p>
+            <a:r>
+              <a:rPr lang="en-US" dirty="0"/>
+              <a:t>Running the Client (Svelte) </a:t>
+            </a:r>
+            <a:r>
+              <a:rPr lang="en-US" dirty="0">
+                <a:solidFill>
+                  <a:schemeClr val="accent2"/>
+                </a:solidFill>
+              </a:rPr>
+              <a:t>Continued…</a:t>
+            </a:r>
+            <a:endParaRPr lang="en-US" dirty="0"/>
+          </a:p>
+        </p:txBody>
+      </p:sp>
+      <p:sp>
+        <p:nvSpPr>
+          <p:cNvPr id="3" name="Content Placeholder 2">
+            <a:extLst>
+              <a:ext uri="{FF2B5EF4-FFF2-40B4-BE49-F238E27FC236}">
+                <a16:creationId xmlns:a16="http://schemas.microsoft.com/office/drawing/2014/main" id="{376B95FD-FF78-520D-6C85-E93D3BCA1538}"/>
+              </a:ext>
+            </a:extLst>
+          </p:cNvPr>
+          <p:cNvSpPr>
+            <a:spLocks noGrp="1"/>
+          </p:cNvSpPr>
+          <p:nvPr>
+            <p:ph idx="1"/>
+          </p:nvPr>
+        </p:nvSpPr>
+        <p:spPr/>
+        <p:txBody>
+          <a:bodyPr/>
+          <a:lstStyle/>
+          <a:p>
+            <a:r>
+              <a:rPr lang="en-US" sz="2400" dirty="0"/>
+              <a:t>Now the svelte folder has to be built by the following Command :</a:t>
+            </a:r>
+            <a:r>
+              <a:rPr lang="en-US" sz="2800" dirty="0"/>
+              <a:t>	</a:t>
+            </a:r>
+          </a:p>
+          <a:p>
+            <a:pPr marL="0" indent="0" algn="ctr">
+              <a:spcAft>
+                <a:spcPts val="1000"/>
+              </a:spcAft>
+              <a:buNone/>
+            </a:pPr>
+            <a:r>
+              <a:rPr lang="en-US" sz="3200" dirty="0"/>
+              <a:t>	</a:t>
+            </a:r>
+            <a:r>
+              <a:rPr lang="en-US" dirty="0" err="1">
+                <a:solidFill>
+                  <a:schemeClr val="bg2">
+                    <a:lumMod val="50000"/>
+                  </a:schemeClr>
+                </a:solidFill>
+              </a:rPr>
+              <a:t>npm</a:t>
+            </a:r>
+            <a:r>
+              <a:rPr lang="en-US" dirty="0">
+                <a:solidFill>
+                  <a:schemeClr val="bg2">
+                    <a:lumMod val="50000"/>
+                  </a:schemeClr>
+                </a:solidFill>
+              </a:rPr>
+              <a:t> run build</a:t>
+            </a:r>
+          </a:p>
+          <a:p>
+            <a:pPr marL="0" indent="0" algn="just">
+              <a:spcAft>
+                <a:spcPts val="1000"/>
+              </a:spcAft>
+              <a:buNone/>
+            </a:pPr>
+            <a:r>
+              <a:rPr lang="en-US" sz="2400" dirty="0"/>
+              <a:t>This will compile the ‘</a:t>
+            </a:r>
+            <a:r>
+              <a:rPr lang="en-US" sz="2400" dirty="0" err="1"/>
+              <a:t>app.svelte</a:t>
+            </a:r>
+            <a:r>
+              <a:rPr lang="en-US" sz="2400" dirty="0"/>
+              <a:t>’ file to build ‘bundle.css’ file and ‘bundle.js’ file. This has to be executed only when the project is run for the first time</a:t>
+            </a:r>
+          </a:p>
+          <a:p>
+            <a:pPr marL="0" indent="0" algn="just">
+              <a:spcAft>
+                <a:spcPts val="1000"/>
+              </a:spcAft>
+              <a:buNone/>
+            </a:pPr>
+            <a:endParaRPr lang="en-US" sz="2400" dirty="0">
+              <a:solidFill>
+                <a:schemeClr val="bg2">
+                  <a:lumMod val="50000"/>
+                </a:schemeClr>
+              </a:solidFill>
+            </a:endParaRPr>
+          </a:p>
+          <a:p>
+            <a:pPr algn="just"/>
+            <a:r>
+              <a:rPr lang="en-US" sz="2400" dirty="0"/>
+              <a:t>Now we can activate the webpage link ‘localhost: 8080’ by the following Command :	</a:t>
+            </a:r>
+          </a:p>
+          <a:p>
+            <a:pPr marL="0" indent="0" algn="ctr">
+              <a:spcAft>
+                <a:spcPts val="1000"/>
+              </a:spcAft>
+              <a:buNone/>
+            </a:pPr>
+            <a:r>
+              <a:rPr lang="en-US" sz="3200" dirty="0"/>
+              <a:t>	</a:t>
+            </a:r>
+            <a:r>
+              <a:rPr lang="en-US" dirty="0" err="1">
+                <a:solidFill>
+                  <a:schemeClr val="bg2">
+                    <a:lumMod val="50000"/>
+                  </a:schemeClr>
+                </a:solidFill>
+              </a:rPr>
+              <a:t>npm</a:t>
+            </a:r>
+            <a:r>
+              <a:rPr lang="en-US" dirty="0">
+                <a:solidFill>
+                  <a:schemeClr val="bg2">
+                    <a:lumMod val="50000"/>
+                  </a:schemeClr>
+                </a:solidFill>
+              </a:rPr>
+              <a:t> run dev</a:t>
+            </a:r>
+          </a:p>
+          <a:p>
+            <a:endParaRPr lang="en-US" dirty="0"/>
+          </a:p>
+        </p:txBody>
+      </p:sp>
+    </p:spTree>
+    <p:extLst>
+      <p:ext uri="{BB962C8B-B14F-4D97-AF65-F5344CB8AC3E}">
+        <p14:creationId xmlns:p14="http://schemas.microsoft.com/office/powerpoint/2010/main" val="2985752357"/>
+      </p:ext>
+    </p:extLst>
+  </p:cSld>
+  <p:clrMapOvr>
+    <a:masterClrMapping/>
+  </p:clrMapOvr>
+</p:sld>
+</file>
+
+<file path=ppt/slides/slide5.xml><?xml version="1.0" encoding="utf-8"?>
+<p:sld xmlns:a="http://schemas.openxmlformats.org/drawingml/2006/main" xmlns:r="http://schemas.openxmlformats.org/officeDocument/2006/relationships" xmlns:p="http://schemas.openxmlformats.org/presentationml/2006/main">
+  <p:cSld>
+    <p:spTree>
+      <p:nvGrpSpPr>
+        <p:cNvPr id="1" name=""/>
+        <p:cNvGrpSpPr/>
+        <p:nvPr/>
+      </p:nvGrpSpPr>
+      <p:grpSpPr>
+        <a:xfrm>
+          <a:off x="0" y="0"/>
+          <a:ext cx="0" cy="0"/>
+          <a:chOff x="0" y="0"/>
+          <a:chExt cx="0" cy="0"/>
+        </a:xfrm>
+      </p:grpSpPr>
+      <p:sp>
+        <p:nvSpPr>
+          <p:cNvPr id="2" name="Title 1">
+            <a:extLst>
+              <a:ext uri="{FF2B5EF4-FFF2-40B4-BE49-F238E27FC236}">
                 <a16:creationId xmlns:a16="http://schemas.microsoft.com/office/drawing/2014/main" id="{0CCC886B-E302-E559-2F91-5356523AD2AD}"/>
               </a:ext>
             </a:extLst>
@@ -4429,7 +4591,7 @@
             </a:r>
             <a:r>
               <a:rPr lang="en-US" sz="2400" dirty="0" err="1"/>
-              <a:t>Image_Query_by_Analysing_Histogram_Distance</a:t>
+              <a:t>Image_Query_by_Analysing_histogram</a:t>
             </a:r>
             <a:r>
               <a:rPr lang="en-US" sz="2400" dirty="0"/>

--- a/How to Run this project.pptx
+++ b/How to Run this project.pptx
@@ -201,7 +201,7 @@
           <a:p>
             <a:fld id="{B26FA8D6-6745-440B-BE29-90D1A93025A2}" type="datetimeFigureOut">
               <a:rPr lang="en-US" smtClean="0"/>
-              <a:t>12/29/2023</a:t>
+              <a:t>1/5/2024</a:t>
             </a:fld>
             <a:endParaRPr lang="en-US"/>
           </a:p>
@@ -783,7 +783,7 @@
           <a:p>
             <a:fld id="{B2FFD007-DF7E-4A5F-8510-7B607DBCE3E8}" type="datetimeFigureOut">
               <a:rPr lang="en-US" smtClean="0"/>
-              <a:t>12/29/2023</a:t>
+              <a:t>1/5/2024</a:t>
             </a:fld>
             <a:endParaRPr lang="en-US"/>
           </a:p>
@@ -981,7 +981,7 @@
           <a:p>
             <a:fld id="{B2FFD007-DF7E-4A5F-8510-7B607DBCE3E8}" type="datetimeFigureOut">
               <a:rPr lang="en-US" smtClean="0"/>
-              <a:t>12/29/2023</a:t>
+              <a:t>1/5/2024</a:t>
             </a:fld>
             <a:endParaRPr lang="en-US"/>
           </a:p>
@@ -1189,7 +1189,7 @@
           <a:p>
             <a:fld id="{B2FFD007-DF7E-4A5F-8510-7B607DBCE3E8}" type="datetimeFigureOut">
               <a:rPr lang="en-US" smtClean="0"/>
-              <a:t>12/29/2023</a:t>
+              <a:t>1/5/2024</a:t>
             </a:fld>
             <a:endParaRPr lang="en-US"/>
           </a:p>
@@ -1387,7 +1387,7 @@
           <a:p>
             <a:fld id="{B2FFD007-DF7E-4A5F-8510-7B607DBCE3E8}" type="datetimeFigureOut">
               <a:rPr lang="en-US" smtClean="0"/>
-              <a:t>12/29/2023</a:t>
+              <a:t>1/5/2024</a:t>
             </a:fld>
             <a:endParaRPr lang="en-US"/>
           </a:p>
@@ -1662,7 +1662,7 @@
           <a:p>
             <a:fld id="{B2FFD007-DF7E-4A5F-8510-7B607DBCE3E8}" type="datetimeFigureOut">
               <a:rPr lang="en-US" smtClean="0"/>
-              <a:t>12/29/2023</a:t>
+              <a:t>1/5/2024</a:t>
             </a:fld>
             <a:endParaRPr lang="en-US"/>
           </a:p>
@@ -1927,7 +1927,7 @@
           <a:p>
             <a:fld id="{B2FFD007-DF7E-4A5F-8510-7B607DBCE3E8}" type="datetimeFigureOut">
               <a:rPr lang="en-US" smtClean="0"/>
-              <a:t>12/29/2023</a:t>
+              <a:t>1/5/2024</a:t>
             </a:fld>
             <a:endParaRPr lang="en-US"/>
           </a:p>
@@ -2339,7 +2339,7 @@
           <a:p>
             <a:fld id="{B2FFD007-DF7E-4A5F-8510-7B607DBCE3E8}" type="datetimeFigureOut">
               <a:rPr lang="en-US" smtClean="0"/>
-              <a:t>12/29/2023</a:t>
+              <a:t>1/5/2024</a:t>
             </a:fld>
             <a:endParaRPr lang="en-US"/>
           </a:p>
@@ -2480,7 +2480,7 @@
           <a:p>
             <a:fld id="{B2FFD007-DF7E-4A5F-8510-7B607DBCE3E8}" type="datetimeFigureOut">
               <a:rPr lang="en-US" smtClean="0"/>
-              <a:t>12/29/2023</a:t>
+              <a:t>1/5/2024</a:t>
             </a:fld>
             <a:endParaRPr lang="en-US"/>
           </a:p>
@@ -2593,7 +2593,7 @@
           <a:p>
             <a:fld id="{B2FFD007-DF7E-4A5F-8510-7B607DBCE3E8}" type="datetimeFigureOut">
               <a:rPr lang="en-US" smtClean="0"/>
-              <a:t>12/29/2023</a:t>
+              <a:t>1/5/2024</a:t>
             </a:fld>
             <a:endParaRPr lang="en-US"/>
           </a:p>
@@ -2904,7 +2904,7 @@
           <a:p>
             <a:fld id="{B2FFD007-DF7E-4A5F-8510-7B607DBCE3E8}" type="datetimeFigureOut">
               <a:rPr lang="en-US" smtClean="0"/>
-              <a:t>12/29/2023</a:t>
+              <a:t>1/5/2024</a:t>
             </a:fld>
             <a:endParaRPr lang="en-US"/>
           </a:p>
@@ -3192,7 +3192,7 @@
           <a:p>
             <a:fld id="{B2FFD007-DF7E-4A5F-8510-7B607DBCE3E8}" type="datetimeFigureOut">
               <a:rPr lang="en-US" smtClean="0"/>
-              <a:t>12/29/2023</a:t>
+              <a:t>1/5/2024</a:t>
             </a:fld>
             <a:endParaRPr lang="en-US"/>
           </a:p>
@@ -3433,7 +3433,7 @@
           <a:p>
             <a:fld id="{B2FFD007-DF7E-4A5F-8510-7B607DBCE3E8}" type="datetimeFigureOut">
               <a:rPr lang="en-US" smtClean="0"/>
-              <a:t>12/29/2023</a:t>
+              <a:t>1/5/2024</a:t>
             </a:fld>
             <a:endParaRPr lang="en-US"/>
           </a:p>
@@ -4062,6 +4062,20 @@
           </a:p>
           <a:p>
             <a:pPr lvl="1"/>
+            <a:r>
+              <a:rPr lang="en-US" dirty="0"/>
+              <a:t>PIL : Install this dependency by the following command ➝ </a:t>
+            </a:r>
+            <a:r>
+              <a:rPr lang="en-US" dirty="0">
+                <a:solidFill>
+                  <a:schemeClr val="bg2">
+                    <a:lumMod val="50000"/>
+                  </a:schemeClr>
+                </a:solidFill>
+              </a:rPr>
+              <a:t>pip install PIL</a:t>
+            </a:r>
             <a:endParaRPr lang="en-US" dirty="0"/>
           </a:p>
         </p:txBody>

--- a/How to Run this project.pptx
+++ b/How to Run this project.pptx
@@ -5,14 +5,15 @@
     <p:sldMasterId id="2147483648" r:id="rId1"/>
   </p:sldMasterIdLst>
   <p:notesMasterIdLst>
-    <p:notesMasterId r:id="rId7"/>
+    <p:notesMasterId r:id="rId8"/>
   </p:notesMasterIdLst>
   <p:sldIdLst>
     <p:sldId id="256" r:id="rId2"/>
     <p:sldId id="259" r:id="rId3"/>
-    <p:sldId id="257" r:id="rId4"/>
-    <p:sldId id="260" r:id="rId5"/>
-    <p:sldId id="258" r:id="rId6"/>
+    <p:sldId id="261" r:id="rId4"/>
+    <p:sldId id="257" r:id="rId5"/>
+    <p:sldId id="260" r:id="rId6"/>
+    <p:sldId id="258" r:id="rId7"/>
   </p:sldIdLst>
   <p:sldSz cx="12192000" cy="6858000"/>
   <p:notesSz cx="6858000" cy="9144000"/>
@@ -533,7 +534,7 @@
           <a:p>
             <a:fld id="{B3974982-C11A-49A5-8069-692F5D578DB1}" type="slidenum">
               <a:rPr lang="en-US" smtClean="0"/>
-              <a:t>3</a:t>
+              <a:t>4</a:t>
             </a:fld>
             <a:endParaRPr lang="en-US"/>
           </a:p>
@@ -617,7 +618,7 @@
           <a:p>
             <a:fld id="{B3974982-C11A-49A5-8069-692F5D578DB1}" type="slidenum">
               <a:rPr lang="en-US" smtClean="0"/>
-              <a:t>5</a:t>
+              <a:t>6</a:t>
             </a:fld>
             <a:endParaRPr lang="en-US"/>
           </a:p>
@@ -3997,8 +3998,54 @@
         </p:nvSpPr>
         <p:spPr/>
         <p:txBody>
-          <a:bodyPr/>
-          <a:lstStyle/>
+          <a:bodyPr>
+            <a:normAutofit fontScale="92500" lnSpcReduction="10000"/>
+          </a:bodyPr>
+          <a:lstStyle/>
+          <a:p>
+            <a:r>
+              <a:rPr lang="en-US" dirty="0"/>
+              <a:t>Data Training</a:t>
+            </a:r>
+          </a:p>
+          <a:p>
+            <a:pPr lvl="1"/>
+            <a:r>
+              <a:rPr lang="en-US" dirty="0"/>
+              <a:t>python or python3</a:t>
+            </a:r>
+            <a:endParaRPr lang="en-US" dirty="0">
+              <a:solidFill>
+                <a:schemeClr val="bg2">
+                  <a:lumMod val="50000"/>
+                </a:schemeClr>
+              </a:solidFill>
+            </a:endParaRPr>
+          </a:p>
+          <a:p>
+            <a:pPr lvl="1"/>
+            <a:r>
+              <a:rPr lang="en-US" dirty="0"/>
+              <a:t>PIL : Install this dependency by the following command ➝ </a:t>
+            </a:r>
+            <a:r>
+              <a:rPr lang="en-US" dirty="0">
+                <a:solidFill>
+                  <a:schemeClr val="bg2">
+                    <a:lumMod val="50000"/>
+                  </a:schemeClr>
+                </a:solidFill>
+              </a:rPr>
+              <a:t>pip install PIL</a:t>
+            </a:r>
+            <a:endParaRPr lang="en-US" dirty="0"/>
+          </a:p>
+          <a:p>
+            <a:pPr marL="0" indent="0">
+              <a:buNone/>
+            </a:pPr>
+            <a:endParaRPr lang="en-US" dirty="0"/>
+          </a:p>
           <a:p>
             <a:r>
               <a:rPr lang="en-US" dirty="0"/>
@@ -4018,10 +4065,6 @@
               <a:rPr lang="en-US" dirty="0" err="1"/>
               <a:t>npm</a:t>
             </a:r>
-            <a:endParaRPr lang="en-US" dirty="0"/>
-          </a:p>
-          <a:p>
-            <a:pPr lvl="1"/>
             <a:endParaRPr lang="en-US" dirty="0"/>
           </a:p>
           <a:p>
@@ -4061,22 +4104,16 @@
             </a:r>
           </a:p>
           <a:p>
-            <a:pPr lvl="1"/>
-            <a:r>
-              <a:rPr lang="en-US" dirty="0"/>
-              <a:t>PIL : Install this dependency by the following command ➝ </a:t>
-            </a:r>
-            <a:r>
-              <a:rPr lang="en-US" dirty="0">
-                <a:solidFill>
-                  <a:schemeClr val="bg2">
-                    <a:lumMod val="50000"/>
-                  </a:schemeClr>
-                </a:solidFill>
-              </a:rPr>
-              <a:t>pip install PIL</a:t>
-            </a:r>
-            <a:endParaRPr lang="en-US" dirty="0"/>
+            <a:pPr marL="457200" lvl="1" indent="0">
+              <a:buNone/>
+            </a:pPr>
+            <a:endParaRPr lang="en-US" dirty="0">
+              <a:solidFill>
+                <a:schemeClr val="bg2">
+                  <a:lumMod val="50000"/>
+                </a:schemeClr>
+              </a:solidFill>
+            </a:endParaRPr>
           </a:p>
         </p:txBody>
       </p:sp>
@@ -4115,7 +4152,7 @@
           <p:cNvPr id="2" name="Title 1">
             <a:extLst>
               <a:ext uri="{FF2B5EF4-FFF2-40B4-BE49-F238E27FC236}">
-                <a16:creationId xmlns:a16="http://schemas.microsoft.com/office/drawing/2014/main" id="{4CDB0C6B-BDA6-B9B9-B1FC-B4BA41D0469A}"/>
+                <a16:creationId xmlns:a16="http://schemas.microsoft.com/office/drawing/2014/main" id="{76C99552-45EF-B25E-D5B5-595B1260E979}"/>
               </a:ext>
             </a:extLst>
           </p:cNvPr>
@@ -4133,7 +4170,7 @@
           <a:p>
             <a:r>
               <a:rPr lang="en-US" dirty="0"/>
-              <a:t>Running the Client (Svelte)</a:t>
+              <a:t>Training Data</a:t>
             </a:r>
           </a:p>
         </p:txBody>
@@ -4143,7 +4180,7 @@
           <p:cNvPr id="3" name="Content Placeholder 2">
             <a:extLst>
               <a:ext uri="{FF2B5EF4-FFF2-40B4-BE49-F238E27FC236}">
-                <a16:creationId xmlns:a16="http://schemas.microsoft.com/office/drawing/2014/main" id="{FEFC2D88-4D7A-CC19-B7E2-1BC1DDD05BFE}"/>
+                <a16:creationId xmlns:a16="http://schemas.microsoft.com/office/drawing/2014/main" id="{06762313-960A-3582-F4D6-A534DFA9C215}"/>
               </a:ext>
             </a:extLst>
           </p:cNvPr>
@@ -4154,22 +4191,15 @@
             <p:ph idx="1"/>
           </p:nvPr>
         </p:nvSpPr>
-        <p:spPr>
-          <a:xfrm>
-            <a:off x="838200" y="1825625"/>
-            <a:ext cx="10515600" cy="4667250"/>
-          </a:xfrm>
-        </p:spPr>
-        <p:txBody>
-          <a:bodyPr>
-            <a:normAutofit/>
-          </a:bodyPr>
+        <p:spPr/>
+        <p:txBody>
+          <a:bodyPr/>
           <a:lstStyle/>
           <a:p>
             <a:pPr algn="just"/>
             <a:r>
               <a:rPr lang="en-US" sz="2400" dirty="0"/>
-              <a:t>First we have to navigate to the svelte directory. As the code will be run from the ‘ \</a:t>
+              <a:t>In order to extract the histogram values of the images that are preserved in the ‘ \</a:t>
             </a:r>
             <a:r>
               <a:rPr lang="en-US" sz="2400" dirty="0" err="1"/>
@@ -4177,18 +4207,43 @@
             </a:r>
             <a:r>
               <a:rPr lang="en-US" sz="2400" dirty="0"/>
-              <a:t> ‘ as the root directory in the terminal, we need to navigate to the directory folder by the following Command :	</a:t>
-            </a:r>
-          </a:p>
-          <a:p>
-            <a:pPr marL="0" indent="0" algn="ctr">
+              <a:t>\</a:t>
+            </a:r>
+            <a:r>
+              <a:rPr lang="en-US" sz="2400" i="0" dirty="0">
+                <a:solidFill>
+                  <a:srgbClr val="1F2328"/>
+                </a:solidFill>
+                <a:effectLst/>
+              </a:rPr>
+              <a:t>image-query\public\Data ’ folder</a:t>
+            </a:r>
+            <a:r>
+              <a:rPr lang="en-US" sz="2400" dirty="0"/>
+              <a:t>, we need to open a new terminal in the ‘ \</a:t>
+            </a:r>
+            <a:r>
+              <a:rPr lang="en-US" sz="2400" dirty="0" err="1"/>
+              <a:t>Image_Query_by_Analysing_histogram</a:t>
+            </a:r>
+            <a:r>
+              <a:rPr lang="en-US" sz="2400" dirty="0"/>
+              <a:t> ‘ directory and the python code ‘Store_Image_Histogram.py’ has to be run by the following Command :</a:t>
+            </a:r>
+            <a:r>
+              <a:rPr lang="en-US" sz="2800" dirty="0"/>
+              <a:t>	</a:t>
+            </a:r>
+          </a:p>
+          <a:p>
+            <a:pPr marL="0" indent="0" algn="just">
               <a:spcAft>
                 <a:spcPts val="1000"/>
               </a:spcAft>
               <a:buNone/>
             </a:pPr>
             <a:r>
-              <a:rPr lang="en-US" sz="2400" dirty="0"/>
+              <a:rPr lang="en-US" sz="3200" dirty="0"/>
               <a:t>	</a:t>
             </a:r>
             <a:r>
@@ -4199,122 +4254,24 @@
                   </a:schemeClr>
                 </a:solidFill>
               </a:rPr>
-              <a:t>cd image-query</a:t>
-            </a:r>
-            <a:endParaRPr lang="en-US" sz="2200" dirty="0">
-              <a:solidFill>
-                <a:schemeClr val="bg2">
-                  <a:lumMod val="50000"/>
-                </a:schemeClr>
-              </a:solidFill>
-            </a:endParaRPr>
-          </a:p>
-          <a:p>
+              <a:t>python -u &lt;absolute-file-path-for-Storing-Image-Histogram.py&gt;</a:t>
+            </a:r>
+          </a:p>
+          <a:p>
+            <a:pPr marL="0" indent="0">
+              <a:buNone/>
+            </a:pPr>
             <a:r>
               <a:rPr lang="en-US" sz="2400" dirty="0"/>
-              <a:t>Now the svelte dependencies have to be installed in the svelte folder by the following Command :</a:t>
-            </a:r>
-            <a:r>
-              <a:rPr lang="en-US" sz="2800" dirty="0"/>
-              <a:t>	</a:t>
-            </a:r>
-          </a:p>
-          <a:p>
-            <a:pPr marL="0" indent="0" algn="ctr">
-              <a:spcAft>
-                <a:spcPts val="1000"/>
-              </a:spcAft>
-              <a:buNone/>
-            </a:pPr>
-            <a:r>
-              <a:rPr lang="en-US" sz="3200" dirty="0"/>
-              <a:t>	</a:t>
-            </a:r>
-            <a:r>
-              <a:rPr lang="en-US" dirty="0" err="1">
-                <a:solidFill>
-                  <a:schemeClr val="bg2">
-                    <a:lumMod val="50000"/>
-                  </a:schemeClr>
-                </a:solidFill>
-              </a:rPr>
-              <a:t>npm</a:t>
-            </a:r>
-            <a:r>
-              <a:rPr lang="en-US" dirty="0">
-                <a:solidFill>
-                  <a:schemeClr val="bg2">
-                    <a:lumMod val="50000"/>
-                  </a:schemeClr>
-                </a:solidFill>
-              </a:rPr>
-              <a:t> install</a:t>
-            </a:r>
-          </a:p>
-          <a:p>
-            <a:pPr marL="0" indent="0" algn="just">
-              <a:spcAft>
-                <a:spcPts val="1000"/>
-              </a:spcAft>
-              <a:buNone/>
-            </a:pPr>
-            <a:r>
-              <a:rPr lang="en-US" sz="2400" dirty="0"/>
-              <a:t>This will install all the dependencies and node modules required as per the ‘</a:t>
-            </a:r>
-            <a:r>
-              <a:rPr lang="en-US" sz="2400" dirty="0" err="1"/>
-              <a:t>package.json</a:t>
-            </a:r>
-            <a:r>
-              <a:rPr lang="en-US" sz="2400" dirty="0"/>
-              <a:t>’ file and ‘package-</a:t>
-            </a:r>
-            <a:r>
-              <a:rPr lang="en-US" sz="2400" dirty="0" err="1"/>
-              <a:t>lock.json</a:t>
-            </a:r>
-            <a:r>
-              <a:rPr lang="en-US" sz="2400" dirty="0"/>
-              <a:t>’ file. This has to be executed only when the project is run for the first time</a:t>
-            </a:r>
-            <a:endParaRPr lang="en-US" sz="2400" dirty="0">
-              <a:solidFill>
-                <a:schemeClr val="bg2">
-                  <a:lumMod val="50000"/>
-                </a:schemeClr>
-              </a:solidFill>
-            </a:endParaRPr>
-          </a:p>
-          <a:p>
-            <a:pPr algn="just">
-              <a:spcAft>
-                <a:spcPts val="1000"/>
-              </a:spcAft>
-            </a:pPr>
-            <a:endParaRPr lang="en-US" dirty="0">
-              <a:solidFill>
-                <a:schemeClr val="bg2">
-                  <a:lumMod val="50000"/>
-                </a:schemeClr>
-              </a:solidFill>
-            </a:endParaRPr>
-          </a:p>
-          <a:p>
-            <a:endParaRPr lang="en-US" dirty="0">
-              <a:solidFill>
-                <a:schemeClr val="bg2">
-                  <a:lumMod val="50000"/>
-                </a:schemeClr>
-              </a:solidFill>
-            </a:endParaRPr>
+              <a:t>Or simply, the python code can be run in the text editor directly.</a:t>
+            </a:r>
           </a:p>
         </p:txBody>
       </p:sp>
     </p:spTree>
     <p:extLst>
       <p:ext uri="{BB962C8B-B14F-4D97-AF65-F5344CB8AC3E}">
-        <p14:creationId xmlns:p14="http://schemas.microsoft.com/office/powerpoint/2010/main" val="169604551"/>
+        <p14:creationId xmlns:p14="http://schemas.microsoft.com/office/powerpoint/2010/main" val="1235916207"/>
       </p:ext>
     </p:extLst>
   </p:cSld>
@@ -4346,6 +4303,237 @@
           <p:cNvPr id="2" name="Title 1">
             <a:extLst>
               <a:ext uri="{FF2B5EF4-FFF2-40B4-BE49-F238E27FC236}">
+                <a16:creationId xmlns:a16="http://schemas.microsoft.com/office/drawing/2014/main" id="{4CDB0C6B-BDA6-B9B9-B1FC-B4BA41D0469A}"/>
+              </a:ext>
+            </a:extLst>
+          </p:cNvPr>
+          <p:cNvSpPr>
+            <a:spLocks noGrp="1"/>
+          </p:cNvSpPr>
+          <p:nvPr>
+            <p:ph type="title"/>
+          </p:nvPr>
+        </p:nvSpPr>
+        <p:spPr/>
+        <p:txBody>
+          <a:bodyPr/>
+          <a:lstStyle/>
+          <a:p>
+            <a:r>
+              <a:rPr lang="en-US" dirty="0"/>
+              <a:t>Running the Client (Svelte)</a:t>
+            </a:r>
+          </a:p>
+        </p:txBody>
+      </p:sp>
+      <p:sp>
+        <p:nvSpPr>
+          <p:cNvPr id="3" name="Content Placeholder 2">
+            <a:extLst>
+              <a:ext uri="{FF2B5EF4-FFF2-40B4-BE49-F238E27FC236}">
+                <a16:creationId xmlns:a16="http://schemas.microsoft.com/office/drawing/2014/main" id="{FEFC2D88-4D7A-CC19-B7E2-1BC1DDD05BFE}"/>
+              </a:ext>
+            </a:extLst>
+          </p:cNvPr>
+          <p:cNvSpPr>
+            <a:spLocks noGrp="1"/>
+          </p:cNvSpPr>
+          <p:nvPr>
+            <p:ph idx="1"/>
+          </p:nvPr>
+        </p:nvSpPr>
+        <p:spPr>
+          <a:xfrm>
+            <a:off x="838200" y="1825625"/>
+            <a:ext cx="10515600" cy="4667250"/>
+          </a:xfrm>
+        </p:spPr>
+        <p:txBody>
+          <a:bodyPr>
+            <a:normAutofit/>
+          </a:bodyPr>
+          <a:lstStyle/>
+          <a:p>
+            <a:pPr algn="just"/>
+            <a:r>
+              <a:rPr lang="en-US" sz="2400" dirty="0"/>
+              <a:t>First we have to navigate to the svelte directory. As the code will be run from the ‘ \</a:t>
+            </a:r>
+            <a:r>
+              <a:rPr lang="en-US" sz="2400" dirty="0" err="1"/>
+              <a:t>Image_Query_by_Analysing_histogram</a:t>
+            </a:r>
+            <a:r>
+              <a:rPr lang="en-US" sz="2400" dirty="0"/>
+              <a:t> ‘ as the root directory in the terminal, we need to navigate to the directory folder by the following Command :	</a:t>
+            </a:r>
+          </a:p>
+          <a:p>
+            <a:pPr marL="0" indent="0" algn="ctr">
+              <a:spcAft>
+                <a:spcPts val="1000"/>
+              </a:spcAft>
+              <a:buNone/>
+            </a:pPr>
+            <a:r>
+              <a:rPr lang="en-US" sz="2400" dirty="0"/>
+              <a:t>	</a:t>
+            </a:r>
+            <a:r>
+              <a:rPr lang="en-US" dirty="0">
+                <a:solidFill>
+                  <a:schemeClr val="bg2">
+                    <a:lumMod val="50000"/>
+                  </a:schemeClr>
+                </a:solidFill>
+              </a:rPr>
+              <a:t>cd image-query</a:t>
+            </a:r>
+            <a:endParaRPr lang="en-US" sz="2200" dirty="0">
+              <a:solidFill>
+                <a:schemeClr val="bg2">
+                  <a:lumMod val="50000"/>
+                </a:schemeClr>
+              </a:solidFill>
+            </a:endParaRPr>
+          </a:p>
+          <a:p>
+            <a:r>
+              <a:rPr lang="en-US" sz="2400" dirty="0"/>
+              <a:t>Now the svelte dependencies have to be installed in the svelte folder by the following Command :</a:t>
+            </a:r>
+            <a:r>
+              <a:rPr lang="en-US" sz="2800" dirty="0"/>
+              <a:t>	</a:t>
+            </a:r>
+          </a:p>
+          <a:p>
+            <a:pPr marL="0" indent="0" algn="ctr">
+              <a:spcAft>
+                <a:spcPts val="1000"/>
+              </a:spcAft>
+              <a:buNone/>
+            </a:pPr>
+            <a:r>
+              <a:rPr lang="en-US" sz="3200" dirty="0"/>
+              <a:t>	</a:t>
+            </a:r>
+            <a:r>
+              <a:rPr lang="en-US" dirty="0" err="1">
+                <a:solidFill>
+                  <a:schemeClr val="bg2">
+                    <a:lumMod val="50000"/>
+                  </a:schemeClr>
+                </a:solidFill>
+              </a:rPr>
+              <a:t>npm</a:t>
+            </a:r>
+            <a:r>
+              <a:rPr lang="en-US" dirty="0">
+                <a:solidFill>
+                  <a:schemeClr val="bg2">
+                    <a:lumMod val="50000"/>
+                  </a:schemeClr>
+                </a:solidFill>
+              </a:rPr>
+              <a:t> install</a:t>
+            </a:r>
+          </a:p>
+          <a:p>
+            <a:pPr marL="0" indent="0" algn="just">
+              <a:spcAft>
+                <a:spcPts val="1000"/>
+              </a:spcAft>
+              <a:buNone/>
+            </a:pPr>
+            <a:r>
+              <a:rPr lang="en-US" sz="2400" dirty="0"/>
+              <a:t>This will install all the dependencies and node modules required as per the ‘</a:t>
+            </a:r>
+            <a:r>
+              <a:rPr lang="en-US" sz="2400" dirty="0" err="1"/>
+              <a:t>package.json</a:t>
+            </a:r>
+            <a:r>
+              <a:rPr lang="en-US" sz="2400" dirty="0"/>
+              <a:t>’ file and ‘package-</a:t>
+            </a:r>
+            <a:r>
+              <a:rPr lang="en-US" sz="2400" dirty="0" err="1"/>
+              <a:t>lock.json</a:t>
+            </a:r>
+            <a:r>
+              <a:rPr lang="en-US" sz="2400" dirty="0"/>
+              <a:t>’ file. This has to be executed only when the project is run for the first time</a:t>
+            </a:r>
+            <a:endParaRPr lang="en-US" sz="2400" dirty="0">
+              <a:solidFill>
+                <a:schemeClr val="bg2">
+                  <a:lumMod val="50000"/>
+                </a:schemeClr>
+              </a:solidFill>
+            </a:endParaRPr>
+          </a:p>
+          <a:p>
+            <a:pPr algn="just">
+              <a:spcAft>
+                <a:spcPts val="1000"/>
+              </a:spcAft>
+            </a:pPr>
+            <a:endParaRPr lang="en-US" dirty="0">
+              <a:solidFill>
+                <a:schemeClr val="bg2">
+                  <a:lumMod val="50000"/>
+                </a:schemeClr>
+              </a:solidFill>
+            </a:endParaRPr>
+          </a:p>
+          <a:p>
+            <a:endParaRPr lang="en-US" dirty="0">
+              <a:solidFill>
+                <a:schemeClr val="bg2">
+                  <a:lumMod val="50000"/>
+                </a:schemeClr>
+              </a:solidFill>
+            </a:endParaRPr>
+          </a:p>
+        </p:txBody>
+      </p:sp>
+    </p:spTree>
+    <p:extLst>
+      <p:ext uri="{BB962C8B-B14F-4D97-AF65-F5344CB8AC3E}">
+        <p14:creationId xmlns:p14="http://schemas.microsoft.com/office/powerpoint/2010/main" val="169604551"/>
+      </p:ext>
+    </p:extLst>
+  </p:cSld>
+  <p:clrMapOvr>
+    <a:masterClrMapping/>
+  </p:clrMapOvr>
+</p:sld>
+</file>
+
+<file path=ppt/slides/slide5.xml><?xml version="1.0" encoding="utf-8"?>
+<p:sld xmlns:a="http://schemas.openxmlformats.org/drawingml/2006/main" xmlns:r="http://schemas.openxmlformats.org/officeDocument/2006/relationships" xmlns:p="http://schemas.openxmlformats.org/presentationml/2006/main">
+  <p:cSld>
+    <p:spTree>
+      <p:nvGrpSpPr>
+        <p:cNvPr id="1" name=""/>
+        <p:cNvGrpSpPr/>
+        <p:nvPr/>
+      </p:nvGrpSpPr>
+      <p:grpSpPr>
+        <a:xfrm>
+          <a:off x="0" y="0"/>
+          <a:ext cx="0" cy="0"/>
+          <a:chOff x="0" y="0"/>
+          <a:chExt cx="0" cy="0"/>
+        </a:xfrm>
+      </p:grpSpPr>
+      <p:sp>
+        <p:nvSpPr>
+          <p:cNvPr id="2" name="Title 1">
+            <a:extLst>
+              <a:ext uri="{FF2B5EF4-FFF2-40B4-BE49-F238E27FC236}">
                 <a16:creationId xmlns:a16="http://schemas.microsoft.com/office/drawing/2014/main" id="{FBB98973-20C2-D34E-93B5-274B7436F230}"/>
               </a:ext>
             </a:extLst>
@@ -4532,7 +4720,7 @@
 </p:sld>
 </file>
 
-<file path=ppt/slides/slide5.xml><?xml version="1.0" encoding="utf-8"?>
+<file path=ppt/slides/slide6.xml><?xml version="1.0" encoding="utf-8"?>
 <p:sld xmlns:a="http://schemas.openxmlformats.org/drawingml/2006/main" xmlns:r="http://schemas.openxmlformats.org/officeDocument/2006/relationships" xmlns:p="http://schemas.openxmlformats.org/presentationml/2006/main">
   <p:cSld>
     <p:spTree>
